--- a/Matches/USPSA - Renton - March 2021/Bay 2 - Out of my way, punk.pptx
+++ b/Matches/USPSA - Renton - March 2021/Bay 2 - Out of my way, punk.pptx
@@ -258,7 +258,7 @@
               <a:pPr>
                 <a:defRPr/>
               </a:pPr>
-              <a:t>3/22/21</a:t>
+              <a:t>26.03.2021</a:t>
             </a:fld>
             <a:endParaRPr lang="en-US"/>
           </a:p>
@@ -4235,14 +4235,14 @@
           <p:nvPr>
             <p:extLst>
               <p:ext uri="{D42A27DB-BD31-4B8C-83A1-F6EECF244321}">
-                <p14:modId xmlns:p14="http://schemas.microsoft.com/office/powerpoint/2010/main" val="2577875360"/>
+                <p14:modId xmlns:p14="http://schemas.microsoft.com/office/powerpoint/2010/main" val="2684255128"/>
               </p:ext>
             </p:extLst>
           </p:nvPr>
         </p:nvGraphicFramePr>
         <p:xfrm>
           <a:off x="177800" y="165100"/>
-          <a:ext cx="6997700" cy="4367674"/>
+          <a:ext cx="6997700" cy="3814548"/>
         </p:xfrm>
         <a:graphic>
           <a:graphicData uri="http://schemas.openxmlformats.org/drawingml/2006/table">
@@ -4665,6 +4665,7 @@
                         <a:buFontTx/>
                         <a:buNone/>
                         <a:tabLst/>
+                        <a:defRPr/>
                       </a:pPr>
                       <a:r>
                         <a:rPr kumimoji="0" lang="en-US" sz="1100" b="1" i="0" u="none" strike="noStrike" cap="none" normalizeH="0" baseline="0" dirty="0">
@@ -4678,10 +4679,29 @@
                           <a:latin typeface="Arial" charset="0"/>
                           <a:cs typeface="Times New Roman" charset="0"/>
                         </a:rPr>
-                        <a:t>START </a:t>
+                        <a:t>START POSITION:</a:t>
                       </a:r>
+                    </a:p>
+                    <a:p>
+                      <a:pPr marL="0" marR="0" lvl="0" indent="0" algn="l" defTabSz="966788" rtl="0" eaLnBrk="1" fontAlgn="base" latinLnBrk="0" hangingPunct="1">
+                        <a:lnSpc>
+                          <a:spcPct val="90000"/>
+                        </a:lnSpc>
+                        <a:spcBef>
+                          <a:spcPct val="10000"/>
+                        </a:spcBef>
+                        <a:spcAft>
+                          <a:spcPct val="0"/>
+                        </a:spcAft>
+                        <a:buClrTx/>
+                        <a:buSzTx/>
+                        <a:buFontTx/>
+                        <a:buNone/>
+                        <a:tabLst/>
+                        <a:defRPr/>
+                      </a:pPr>
                       <a:r>
-                        <a:rPr kumimoji="0" lang="en-US" sz="1100" b="1" i="0" u="none" strike="noStrike" cap="none" normalizeH="0" baseline="0">
+                        <a:rPr kumimoji="0" lang="en-US" sz="1100" b="1" i="0" u="none" strike="noStrike" cap="none" normalizeH="0" baseline="0" dirty="0">
                           <a:ln>
                             <a:noFill/>
                           </a:ln>
@@ -4690,10 +4710,93 @@
                           </a:solidFill>
                           <a:effectLst/>
                           <a:latin typeface="Arial" charset="0"/>
-                          <a:cs typeface="Times New Roman" charset="0"/>
+                          <a:ea typeface="ＭＳ Ｐゴシック" pitchFamily="-112" charset="-128"/>
+                          <a:cs typeface="Times New Roman" pitchFamily="-112" charset="0"/>
                         </a:rPr>
-                        <a:t>POSITION:</a:t>
+                        <a:t>String 1: </a:t>
                       </a:r>
+                      <a:r>
+                        <a:rPr kumimoji="0" lang="en-US" sz="1100" b="0" i="0" u="none" strike="noStrike" cap="none" normalizeH="0" baseline="0" dirty="0">
+                          <a:ln>
+                            <a:noFill/>
+                          </a:ln>
+                          <a:solidFill>
+                            <a:schemeClr val="tx1"/>
+                          </a:solidFill>
+                          <a:effectLst/>
+                          <a:latin typeface="Arial" charset="0"/>
+                          <a:ea typeface="ＭＳ Ｐゴシック" pitchFamily="-112" charset="-128"/>
+                          <a:cs typeface="Times New Roman" pitchFamily="-112" charset="0"/>
+                        </a:rPr>
+                        <a:t>Start position, standing in box A, unloaded firearm placed flat on table, trigger guard over X. All magazines to be used staged on one barrel.</a:t>
+                      </a:r>
+                    </a:p>
+                    <a:p>
+                      <a:pPr marL="0" marR="0" lvl="0" indent="0" algn="l" defTabSz="966788" rtl="0" eaLnBrk="1" fontAlgn="base" latinLnBrk="0" hangingPunct="1">
+                        <a:lnSpc>
+                          <a:spcPct val="90000"/>
+                        </a:lnSpc>
+                        <a:spcBef>
+                          <a:spcPct val="10000"/>
+                        </a:spcBef>
+                        <a:spcAft>
+                          <a:spcPct val="0"/>
+                        </a:spcAft>
+                        <a:buClrTx/>
+                        <a:buSzTx/>
+                        <a:buFontTx/>
+                        <a:buNone/>
+                        <a:tabLst/>
+                        <a:defRPr/>
+                      </a:pPr>
+                      <a:r>
+                        <a:rPr kumimoji="0" lang="en-US" sz="1100" b="1" i="0" u="none" strike="noStrike" cap="none" normalizeH="0" baseline="0" dirty="0">
+                          <a:ln>
+                            <a:noFill/>
+                          </a:ln>
+                          <a:solidFill>
+                            <a:schemeClr val="tx1"/>
+                          </a:solidFill>
+                          <a:effectLst/>
+                          <a:latin typeface="Arial" charset="0"/>
+                          <a:ea typeface="ＭＳ Ｐゴシック" pitchFamily="-112" charset="-128"/>
+                          <a:cs typeface="Times New Roman" pitchFamily="-112" charset="0"/>
+                        </a:rPr>
+                        <a:t>String 2: </a:t>
+                      </a:r>
+                      <a:r>
+                        <a:rPr kumimoji="0" lang="en-US" sz="1100" b="0" i="0" u="none" strike="noStrike" cap="none" normalizeH="0" baseline="0" dirty="0">
+                          <a:ln>
+                            <a:noFill/>
+                          </a:ln>
+                          <a:solidFill>
+                            <a:schemeClr val="tx1"/>
+                          </a:solidFill>
+                          <a:effectLst/>
+                          <a:latin typeface="Arial" charset="0"/>
+                          <a:ea typeface="ＭＳ Ｐゴシック" pitchFamily="-112" charset="-128"/>
+                          <a:cs typeface="Times New Roman" pitchFamily="-112" charset="0"/>
+                        </a:rPr>
+                        <a:t>Start position, standing in box A, pistol loaded and holstered, PCC loaded, stock on belt, muzzle pointed down range. All magazines to be used must be staged on one barrel.</a:t>
+                      </a:r>
+                    </a:p>
+                    <a:p>
+                      <a:pPr marL="0" marR="0" lvl="0" indent="0" algn="l" defTabSz="966788" rtl="0" eaLnBrk="1" fontAlgn="base" latinLnBrk="0" hangingPunct="1">
+                        <a:lnSpc>
+                          <a:spcPct val="90000"/>
+                        </a:lnSpc>
+                        <a:spcBef>
+                          <a:spcPct val="10000"/>
+                        </a:spcBef>
+                        <a:spcAft>
+                          <a:spcPct val="0"/>
+                        </a:spcAft>
+                        <a:buClrTx/>
+                        <a:buSzTx/>
+                        <a:buFontTx/>
+                        <a:buNone/>
+                        <a:tabLst/>
+                      </a:pPr>
                       <a:endParaRPr kumimoji="0" lang="en-US" sz="1100" b="0" i="0" u="none" strike="noStrike" cap="none" normalizeH="0" baseline="0" dirty="0">
                         <a:ln>
                           <a:noFill/>
@@ -4869,41 +4972,8 @@
                           <a:ea typeface="ＭＳ Ｐゴシック" pitchFamily="-112" charset="-128"/>
                           <a:cs typeface="Times New Roman" pitchFamily="-112" charset="0"/>
                         </a:rPr>
-                        <a:t>String 1: </a:t>
+                        <a:t>String 1:</a:t>
                       </a:r>
-                      <a:r>
-                        <a:rPr kumimoji="0" lang="en-US" sz="1100" b="0" i="0" u="none" strike="noStrike" cap="none" normalizeH="0" baseline="0" dirty="0">
-                          <a:ln>
-                            <a:noFill/>
-                          </a:ln>
-                          <a:solidFill>
-                            <a:schemeClr val="tx1"/>
-                          </a:solidFill>
-                          <a:effectLst/>
-                          <a:latin typeface="Arial" charset="0"/>
-                          <a:ea typeface="ＭＳ Ｐゴシック" pitchFamily="-112" charset="-128"/>
-                          <a:cs typeface="Times New Roman" pitchFamily="-112" charset="0"/>
-                        </a:rPr>
-                        <a:t>Start position, standing in box A, unloaded firearm placed flat on table, trigger guard over X. All magazines to be used staged on one barrel.</a:t>
-                      </a:r>
-                    </a:p>
-                    <a:p>
-                      <a:pPr marL="0" marR="0" lvl="0" indent="0" algn="l" defTabSz="966788" rtl="0" eaLnBrk="1" fontAlgn="base" latinLnBrk="0" hangingPunct="1">
-                        <a:lnSpc>
-                          <a:spcPct val="100000"/>
-                        </a:lnSpc>
-                        <a:spcBef>
-                          <a:spcPct val="20000"/>
-                        </a:spcBef>
-                        <a:spcAft>
-                          <a:spcPct val="0"/>
-                        </a:spcAft>
-                        <a:buClrTx/>
-                        <a:buSzTx/>
-                        <a:buFontTx/>
-                        <a:buNone/>
-                        <a:tabLst/>
-                      </a:pPr>
                       <a:r>
                         <a:rPr kumimoji="0" lang="en-US" sz="1100" b="0" i="0" u="none" strike="noStrike" cap="none" normalizeH="0" baseline="0" dirty="0">
                           <a:ln>
@@ -4980,7 +5050,7 @@
                           <a:ea typeface="ＭＳ Ｐゴシック" pitchFamily="-112" charset="-128"/>
                           <a:cs typeface="Times New Roman" pitchFamily="-112" charset="0"/>
                         </a:rPr>
-                        <a:t>String 2: </a:t>
+                        <a:t>String 2: O</a:t>
                       </a:r>
                       <a:r>
                         <a:rPr kumimoji="0" lang="en-US" sz="1100" b="0" i="0" u="none" strike="noStrike" cap="none" normalizeH="0" baseline="0" dirty="0">
@@ -4995,40 +5065,7 @@
                           <a:ea typeface="ＭＳ Ｐゴシック" pitchFamily="-112" charset="-128"/>
                           <a:cs typeface="Times New Roman" pitchFamily="-112" charset="0"/>
                         </a:rPr>
-                        <a:t>Start position, standing in box A, pistol loaded and holstered, PCC loaded, stock on belt, muzzle pointed down range. All magazines to be used must be staged on one barrel.</a:t>
-                      </a:r>
-                    </a:p>
-                    <a:p>
-                      <a:pPr marL="0" marR="0" lvl="0" indent="0" algn="l" defTabSz="966788" rtl="0" eaLnBrk="1" fontAlgn="base" latinLnBrk="0" hangingPunct="1">
-                        <a:lnSpc>
-                          <a:spcPct val="100000"/>
-                        </a:lnSpc>
-                        <a:spcBef>
-                          <a:spcPct val="20000"/>
-                        </a:spcBef>
-                        <a:spcAft>
-                          <a:spcPct val="0"/>
-                        </a:spcAft>
-                        <a:buClrTx/>
-                        <a:buSzTx/>
-                        <a:buFontTx/>
-                        <a:buNone/>
-                        <a:tabLst/>
-                      </a:pPr>
-                      <a:r>
-                        <a:rPr kumimoji="0" lang="en-US" sz="1100" b="0" i="0" u="none" strike="noStrike" cap="none" normalizeH="0" baseline="0" dirty="0">
-                          <a:ln>
-                            <a:noFill/>
-                          </a:ln>
-                          <a:solidFill>
-                            <a:schemeClr val="tx1"/>
-                          </a:solidFill>
-                          <a:effectLst/>
-                          <a:latin typeface="Arial" charset="0"/>
-                          <a:ea typeface="ＭＳ Ｐゴシック" pitchFamily="-112" charset="-128"/>
-                          <a:cs typeface="Times New Roman" pitchFamily="-112" charset="0"/>
-                        </a:rPr>
-                        <a:t>On the start signal, from box A, engage T1-T6 with one round each, freestyle. Perform a mandatory reload and engage T1-T6 with only one round each from box B, weak hand only.</a:t>
+                        <a:t>n the start signal, from box A, engage T1-T6 with one round each, freestyle. Perform a mandatory reload and engage T1-T6 with only one round each from box B, weak hand only.</a:t>
                       </a:r>
                       <a:endParaRPr kumimoji="0" lang="en-US" sz="1100" b="0" i="0" u="none" strike="noStrike" cap="none" normalizeH="0" baseline="0" dirty="0">
                         <a:ln>

--- a/Matches/USPSA - Renton - March 2021/Bay 2 - Out of my way, punk.pptx
+++ b/Matches/USPSA - Renton - March 2021/Bay 2 - Out of my way, punk.pptx
@@ -258,7 +258,7 @@
               <a:pPr>
                 <a:defRPr/>
               </a:pPr>
-              <a:t>27.03.2021</a:t>
+              <a:t>3/28/21</a:t>
             </a:fld>
             <a:endParaRPr lang="en-US"/>
           </a:p>
@@ -4235,7 +4235,7 @@
           <p:nvPr>
             <p:extLst>
               <p:ext uri="{D42A27DB-BD31-4B8C-83A1-F6EECF244321}">
-                <p14:modId xmlns:p14="http://schemas.microsoft.com/office/powerpoint/2010/main" val="3800941919"/>
+                <p14:modId xmlns:p14="http://schemas.microsoft.com/office/powerpoint/2010/main" val="3495003462"/>
               </p:ext>
             </p:extLst>
           </p:nvPr>
@@ -5015,7 +5015,22 @@
                           <a:ea typeface="ＭＳ Ｐゴシック" pitchFamily="-112" charset="-128"/>
                           <a:cs typeface="Times New Roman" pitchFamily="-112" charset="0"/>
                         </a:rPr>
-                        <a:t>On the start signal, engage T1-T6 with one round each, strong hand only.</a:t>
+                        <a:t>On the start signal, engage T1-T6 with one round each, strong hand only, from </a:t>
+                      </a:r>
+                      <a:r>
+                        <a:rPr kumimoji="0" lang="en-US" sz="1100" b="0" i="0" u="none" strike="noStrike" cap="none" normalizeH="0" baseline="0">
+                          <a:ln>
+                            <a:noFill/>
+                          </a:ln>
+                          <a:solidFill>
+                            <a:schemeClr val="tx1"/>
+                          </a:solidFill>
+                          <a:effectLst/>
+                          <a:latin typeface="Arial" charset="0"/>
+                          <a:ea typeface="ＭＳ Ｐゴシック" pitchFamily="-112" charset="-128"/>
+                          <a:cs typeface="Times New Roman" pitchFamily="-112" charset="0"/>
+                        </a:rPr>
+                        <a:t>either box.</a:t>
                       </a:r>
                     </a:p>
                     <a:p>
